--- a/week10_python5/week10_python5.pptx
+++ b/week10_python5/week10_python5.pptx
@@ -214,7 +214,7 @@
           <a:p>
             <a:fld id="{31739141-2DAA-2346-BEF0-0594A5BB306A}" type="datetimeFigureOut">
               <a:rPr lang="en-US" smtClean="0"/>
-              <a:t>10/30/22</a:t>
+              <a:t>10/29/23</a:t>
             </a:fld>
             <a:endParaRPr lang="en-US"/>
           </a:p>
@@ -796,7 +796,7 @@
           <a:p>
             <a:fld id="{69F9884C-D6B0-574D-ABEB-4B3275C742BC}" type="datetimeFigureOut">
               <a:rPr lang="en-US" smtClean="0"/>
-              <a:t>10/30/22</a:t>
+              <a:t>10/29/23</a:t>
             </a:fld>
             <a:endParaRPr lang="en-US"/>
           </a:p>
@@ -994,7 +994,7 @@
           <a:p>
             <a:fld id="{69F9884C-D6B0-574D-ABEB-4B3275C742BC}" type="datetimeFigureOut">
               <a:rPr lang="en-US" smtClean="0"/>
-              <a:t>10/30/22</a:t>
+              <a:t>10/29/23</a:t>
             </a:fld>
             <a:endParaRPr lang="en-US"/>
           </a:p>
@@ -1202,7 +1202,7 @@
           <a:p>
             <a:fld id="{69F9884C-D6B0-574D-ABEB-4B3275C742BC}" type="datetimeFigureOut">
               <a:rPr lang="en-US" smtClean="0"/>
-              <a:t>10/30/22</a:t>
+              <a:t>10/29/23</a:t>
             </a:fld>
             <a:endParaRPr lang="en-US"/>
           </a:p>
@@ -1400,7 +1400,7 @@
           <a:p>
             <a:fld id="{69F9884C-D6B0-574D-ABEB-4B3275C742BC}" type="datetimeFigureOut">
               <a:rPr lang="en-US" smtClean="0"/>
-              <a:t>10/30/22</a:t>
+              <a:t>10/29/23</a:t>
             </a:fld>
             <a:endParaRPr lang="en-US"/>
           </a:p>
@@ -1675,7 +1675,7 @@
           <a:p>
             <a:fld id="{69F9884C-D6B0-574D-ABEB-4B3275C742BC}" type="datetimeFigureOut">
               <a:rPr lang="en-US" smtClean="0"/>
-              <a:t>10/30/22</a:t>
+              <a:t>10/29/23</a:t>
             </a:fld>
             <a:endParaRPr lang="en-US"/>
           </a:p>
@@ -1940,7 +1940,7 @@
           <a:p>
             <a:fld id="{69F9884C-D6B0-574D-ABEB-4B3275C742BC}" type="datetimeFigureOut">
               <a:rPr lang="en-US" smtClean="0"/>
-              <a:t>10/30/22</a:t>
+              <a:t>10/29/23</a:t>
             </a:fld>
             <a:endParaRPr lang="en-US"/>
           </a:p>
@@ -2352,7 +2352,7 @@
           <a:p>
             <a:fld id="{69F9884C-D6B0-574D-ABEB-4B3275C742BC}" type="datetimeFigureOut">
               <a:rPr lang="en-US" smtClean="0"/>
-              <a:t>10/30/22</a:t>
+              <a:t>10/29/23</a:t>
             </a:fld>
             <a:endParaRPr lang="en-US"/>
           </a:p>
@@ -2493,7 +2493,7 @@
           <a:p>
             <a:fld id="{69F9884C-D6B0-574D-ABEB-4B3275C742BC}" type="datetimeFigureOut">
               <a:rPr lang="en-US" smtClean="0"/>
-              <a:t>10/30/22</a:t>
+              <a:t>10/29/23</a:t>
             </a:fld>
             <a:endParaRPr lang="en-US"/>
           </a:p>
@@ -2606,7 +2606,7 @@
           <a:p>
             <a:fld id="{69F9884C-D6B0-574D-ABEB-4B3275C742BC}" type="datetimeFigureOut">
               <a:rPr lang="en-US" smtClean="0"/>
-              <a:t>10/30/22</a:t>
+              <a:t>10/29/23</a:t>
             </a:fld>
             <a:endParaRPr lang="en-US"/>
           </a:p>
@@ -2917,7 +2917,7 @@
           <a:p>
             <a:fld id="{69F9884C-D6B0-574D-ABEB-4B3275C742BC}" type="datetimeFigureOut">
               <a:rPr lang="en-US" smtClean="0"/>
-              <a:t>10/30/22</a:t>
+              <a:t>10/29/23</a:t>
             </a:fld>
             <a:endParaRPr lang="en-US"/>
           </a:p>
@@ -3205,7 +3205,7 @@
           <a:p>
             <a:fld id="{69F9884C-D6B0-574D-ABEB-4B3275C742BC}" type="datetimeFigureOut">
               <a:rPr lang="en-US" smtClean="0"/>
-              <a:t>10/30/22</a:t>
+              <a:t>10/29/23</a:t>
             </a:fld>
             <a:endParaRPr lang="en-US"/>
           </a:p>
@@ -3446,7 +3446,7 @@
           <a:p>
             <a:fld id="{69F9884C-D6B0-574D-ABEB-4B3275C742BC}" type="datetimeFigureOut">
               <a:rPr lang="en-US" smtClean="0"/>
-              <a:t>10/30/22</a:t>
+              <a:t>10/29/23</a:t>
             </a:fld>
             <a:endParaRPr lang="en-US"/>
           </a:p>
@@ -4142,7 +4142,7 @@
         <p:spPr>
           <a:xfrm>
             <a:off x="755637" y="1889796"/>
-            <a:ext cx="10574610" cy="3293209"/>
+            <a:ext cx="10574610" cy="4893647"/>
           </a:xfrm>
           <a:prstGeom prst="rect">
             <a:avLst/>
@@ -4202,6 +4202,71 @@
                 <a:latin typeface="Helvetica Light" panose="020B0403020202020204" pitchFamily="34" charset="0"/>
               </a:rPr>
               <a:t>to read in and work on many many files (one at a time). </a:t>
+            </a:r>
+          </a:p>
+          <a:p>
+            <a:endParaRPr lang="en-US" sz="2600" dirty="0">
+              <a:latin typeface="Helvetica Light" panose="020B0403020202020204" pitchFamily="34" charset="0"/>
+            </a:endParaRPr>
+          </a:p>
+          <a:p>
+            <a:r>
+              <a:rPr lang="en-US" sz="2600" dirty="0">
+                <a:latin typeface="Helvetica Light" panose="020B0403020202020204" pitchFamily="34" charset="0"/>
+              </a:rPr>
+              <a:t>- alternatively, you can use the </a:t>
+            </a:r>
+            <a:r>
+              <a:rPr lang="en-US" sz="2400" b="1" dirty="0">
+                <a:latin typeface="Courier New" panose="02070309020205020404" pitchFamily="49" charset="0"/>
+                <a:cs typeface="Courier New" panose="02070309020205020404" pitchFamily="49" charset="0"/>
+              </a:rPr>
+              <a:t>glob</a:t>
+            </a:r>
+            <a:r>
+              <a:rPr lang="en-US" sz="2600" dirty="0">
+                <a:latin typeface="Helvetica Light" panose="020B0403020202020204" pitchFamily="34" charset="0"/>
+              </a:rPr>
+              <a:t> (</a:t>
+            </a:r>
+            <a:r>
+              <a:rPr lang="en-US" sz="2400" b="1" dirty="0" err="1">
+                <a:latin typeface="Courier New" panose="02070309020205020404" pitchFamily="49" charset="0"/>
+                <a:cs typeface="Courier New" panose="02070309020205020404" pitchFamily="49" charset="0"/>
+              </a:rPr>
+              <a:t>glob.glob</a:t>
+            </a:r>
+            <a:r>
+              <a:rPr lang="en-US" sz="2600" dirty="0">
+                <a:latin typeface="Helvetica Light" panose="020B0403020202020204" pitchFamily="34" charset="0"/>
+                <a:cs typeface="Courier New" panose="02070309020205020404" pitchFamily="49" charset="0"/>
+              </a:rPr>
+              <a:t>)</a:t>
+            </a:r>
+            <a:r>
+              <a:rPr lang="en-US" sz="2600" b="1" dirty="0">
+                <a:latin typeface="Courier New" panose="02070309020205020404" pitchFamily="49" charset="0"/>
+                <a:cs typeface="Courier New" panose="02070309020205020404" pitchFamily="49" charset="0"/>
+              </a:rPr>
+              <a:t> </a:t>
+            </a:r>
+            <a:r>
+              <a:rPr lang="en-US" sz="2600" dirty="0">
+                <a:latin typeface="Helvetica Light" panose="020B0403020202020204" pitchFamily="34" charset="0"/>
+              </a:rPr>
+              <a:t>library to process many arguments from within </a:t>
+            </a:r>
+            <a:r>
+              <a:rPr lang="en-US" sz="2600" dirty="0" err="1">
+                <a:latin typeface="Helvetica Light" panose="020B0403020202020204" pitchFamily="34" charset="0"/>
+              </a:rPr>
+              <a:t>Jupyter</a:t>
+            </a:r>
+            <a:r>
+              <a:rPr lang="en-US" sz="2600" dirty="0">
+                <a:latin typeface="Helvetica Light" panose="020B0403020202020204" pitchFamily="34" charset="0"/>
+              </a:rPr>
+              <a:t> notebooks. See primer for this week for a clear demonstration.</a:t>
             </a:r>
           </a:p>
           <a:p>
@@ -4685,14 +4750,14 @@
           </a:ln>
           <a:extLst>
             <a:ext uri="{909E8E84-426E-40dd-AFC4-6F175D3DCCD1}">
-              <a14:hiddenFill xmlns="" xmlns:a14="http://schemas.microsoft.com/office/drawing/2010/main">
+              <a14:hiddenFill xmlns:a14="http://schemas.microsoft.com/office/drawing/2010/main" xmlns="">
                 <a:solidFill>
                   <a:schemeClr val="accent1"/>
                 </a:solidFill>
               </a14:hiddenFill>
             </a:ext>
             <a:ext uri="{91240B29-F687-4f45-9708-019B960494DF}">
-              <a14:hiddenLine xmlns="" xmlns:a14="http://schemas.microsoft.com/office/drawing/2010/main" w="9525">
+              <a14:hiddenLine xmlns:a14="http://schemas.microsoft.com/office/drawing/2010/main" xmlns="" w="9525">
                 <a:solidFill>
                   <a:schemeClr val="tx1"/>
                 </a:solidFill>
@@ -4745,14 +4810,14 @@
           </a:ln>
           <a:extLst>
             <a:ext uri="{909E8E84-426E-40dd-AFC4-6F175D3DCCD1}">
-              <a14:hiddenFill xmlns="" xmlns:a14="http://schemas.microsoft.com/office/drawing/2010/main">
+              <a14:hiddenFill xmlns:a14="http://schemas.microsoft.com/office/drawing/2010/main" xmlns="">
                 <a:solidFill>
                   <a:schemeClr val="accent1"/>
                 </a:solidFill>
               </a14:hiddenFill>
             </a:ext>
             <a:ext uri="{91240B29-F687-4f45-9708-019B960494DF}">
-              <a14:hiddenLine xmlns="" xmlns:a14="http://schemas.microsoft.com/office/drawing/2010/main" w="9525">
+              <a14:hiddenLine xmlns:a14="http://schemas.microsoft.com/office/drawing/2010/main" xmlns="" w="9525">
                 <a:solidFill>
                   <a:schemeClr val="tx1"/>
                 </a:solidFill>
@@ -4805,14 +4870,14 @@
           </a:ln>
           <a:extLst>
             <a:ext uri="{909E8E84-426E-40dd-AFC4-6F175D3DCCD1}">
-              <a14:hiddenFill xmlns="" xmlns:a14="http://schemas.microsoft.com/office/drawing/2010/main">
+              <a14:hiddenFill xmlns:a14="http://schemas.microsoft.com/office/drawing/2010/main" xmlns="">
                 <a:solidFill>
                   <a:schemeClr val="accent1"/>
                 </a:solidFill>
               </a14:hiddenFill>
             </a:ext>
             <a:ext uri="{91240B29-F687-4f45-9708-019B960494DF}">
-              <a14:hiddenLine xmlns="" xmlns:a14="http://schemas.microsoft.com/office/drawing/2010/main" w="9525">
+              <a14:hiddenLine xmlns:a14="http://schemas.microsoft.com/office/drawing/2010/main" xmlns="" w="9525">
                 <a:solidFill>
                   <a:schemeClr val="tx1"/>
                 </a:solidFill>
@@ -4866,14 +4931,14 @@
           <a:effectLst/>
           <a:extLst>
             <a:ext uri="{909E8E84-426E-40dd-AFC4-6F175D3DCCD1}">
-              <a14:hiddenFill xmlns="" xmlns:a14="http://schemas.microsoft.com/office/drawing/2010/main">
+              <a14:hiddenFill xmlns:a14="http://schemas.microsoft.com/office/drawing/2010/main" xmlns="">
                 <a:solidFill>
                   <a:schemeClr val="accent1"/>
                 </a:solidFill>
               </a14:hiddenFill>
             </a:ext>
             <a:ext uri="{91240B29-F687-4f45-9708-019B960494DF}">
-              <a14:hiddenLine xmlns="" xmlns:a14="http://schemas.microsoft.com/office/drawing/2010/main" w="9525">
+              <a14:hiddenLine xmlns:a14="http://schemas.microsoft.com/office/drawing/2010/main" xmlns="" w="9525">
                 <a:solidFill>
                   <a:schemeClr val="tx1"/>
                 </a:solidFill>
@@ -4883,7 +4948,7 @@
               </a14:hiddenLine>
             </a:ext>
             <a:ext uri="{AF507438-7753-43e0-B8FC-AC1667EBCBE1}">
-              <a14:hiddenEffects xmlns="" xmlns:a14="http://schemas.microsoft.com/office/drawing/2010/main">
+              <a14:hiddenEffects xmlns:a14="http://schemas.microsoft.com/office/drawing/2010/main" xmlns="">
                 <a:effectLst>
                   <a:outerShdw dist="35921" dir="2700000" algn="ctr" rotWithShape="0">
                     <a:schemeClr val="bg2"/>
@@ -6740,8 +6805,8 @@
         </p:nvSpPr>
         <p:spPr>
           <a:xfrm>
-            <a:off x="451693" y="1444017"/>
-            <a:ext cx="11740307" cy="3539430"/>
+            <a:off x="325569" y="1582340"/>
+            <a:ext cx="11740307" cy="3693319"/>
           </a:xfrm>
           <a:prstGeom prst="rect">
             <a:avLst/>
@@ -6755,118 +6820,103 @@
           <a:lstStyle/>
           <a:p>
             <a:r>
-              <a:rPr lang="en-US" sz="2800" dirty="0">
+              <a:rPr lang="en-US" sz="2600" dirty="0">
                 <a:latin typeface="Helvetica Light" panose="020B0403020202020204" pitchFamily="34" charset="0"/>
               </a:rPr>
               <a:t>Week of </a:t>
             </a:r>
             <a:r>
-              <a:rPr lang="en-US" sz="2800" b="1" dirty="0">
-                <a:latin typeface="Helvetica Light" panose="020B0403020202020204" pitchFamily="34" charset="0"/>
-              </a:rPr>
-              <a:t>11/1, 11/3</a:t>
-            </a:r>
-            <a:r>
-              <a:rPr lang="en-US" sz="2800" dirty="0">
+              <a:rPr lang="en-US" sz="2600" b="1" dirty="0">
+                <a:latin typeface="Helvetica Light" panose="020B0403020202020204" pitchFamily="34" charset="0"/>
+              </a:rPr>
+              <a:t>10/30, 11/2</a:t>
+            </a:r>
+            <a:r>
+              <a:rPr lang="en-US" sz="2600" dirty="0">
                 <a:latin typeface="Helvetica Light" panose="020B0403020202020204" pitchFamily="34" charset="0"/>
               </a:rPr>
               <a:t>		Reading many files at one, data 							management problem</a:t>
             </a:r>
           </a:p>
           <a:p>
-            <a:endParaRPr lang="en-US" sz="2800" dirty="0">
+            <a:endParaRPr lang="en-US" sz="2600" dirty="0">
               <a:latin typeface="Helvetica Light" panose="020B0403020202020204" pitchFamily="34" charset="0"/>
             </a:endParaRPr>
           </a:p>
           <a:p>
             <a:r>
-              <a:rPr lang="en-US" sz="2800" dirty="0">
+              <a:rPr lang="en-US" sz="2600" dirty="0">
                 <a:latin typeface="Helvetica Light" panose="020B0403020202020204" pitchFamily="34" charset="0"/>
               </a:rPr>
               <a:t>Week of </a:t>
             </a:r>
             <a:r>
-              <a:rPr lang="en-US" sz="2800" b="1" dirty="0">
-                <a:latin typeface="Helvetica Light" panose="020B0403020202020204" pitchFamily="34" charset="0"/>
-              </a:rPr>
-              <a:t>11/8, 11/10		</a:t>
-            </a:r>
-            <a:r>
-              <a:rPr lang="en-US" sz="2600" b="1" dirty="0" err="1">
-                <a:latin typeface="Helvetica Light" panose="020B0403020202020204" pitchFamily="34" charset="0"/>
-              </a:rPr>
-              <a:t>Numpy</a:t>
-            </a:r>
-            <a:r>
               <a:rPr lang="en-US" sz="2600" b="1" dirty="0">
                 <a:latin typeface="Helvetica Light" panose="020B0403020202020204" pitchFamily="34" charset="0"/>
               </a:rPr>
-              <a:t> </a:t>
-            </a:r>
-            <a:r>
-              <a:rPr lang="en-US" sz="2600" dirty="0">
-                <a:latin typeface="Helvetica Light" panose="020B0403020202020204" pitchFamily="34" charset="0"/>
-              </a:rPr>
-              <a:t>and</a:t>
-            </a:r>
-            <a:r>
-              <a:rPr lang="en-US" sz="2600" b="1" dirty="0">
-                <a:latin typeface="Helvetica Light" panose="020B0403020202020204" pitchFamily="34" charset="0"/>
-              </a:rPr>
-              <a:t> Pandas: </a:t>
-            </a:r>
-            <a:r>
-              <a:rPr lang="en-US" sz="2600" dirty="0">
-                <a:latin typeface="Helvetica Light" panose="020B0403020202020204" pitchFamily="34" charset="0"/>
-              </a:rPr>
-              <a:t>Data Science modules</a:t>
-            </a:r>
-          </a:p>
-          <a:p>
-            <a:endParaRPr lang="en-US" sz="2800" b="1" dirty="0">
+              <a:t>11/7, 11/9		Dictionaries</a:t>
+            </a:r>
+          </a:p>
+          <a:p>
+            <a:endParaRPr lang="en-US" sz="2600" b="1" dirty="0">
               <a:latin typeface="Helvetica Light" panose="020B0403020202020204" pitchFamily="34" charset="0"/>
             </a:endParaRPr>
           </a:p>
           <a:p>
             <a:r>
-              <a:rPr lang="en-US" sz="2800" dirty="0">
+              <a:rPr lang="en-US" sz="2600" dirty="0">
                 <a:latin typeface="Helvetica Light" panose="020B0403020202020204" pitchFamily="34" charset="0"/>
               </a:rPr>
               <a:t>Week of </a:t>
             </a:r>
             <a:r>
-              <a:rPr lang="en-US" sz="2800" b="1" dirty="0">
+              <a:rPr lang="en-US" sz="2600" b="1" dirty="0">
                 <a:latin typeface="Helvetica Light" panose="020B0403020202020204" pitchFamily="34" charset="0"/>
               </a:rPr>
               <a:t>11/15, 11/17		</a:t>
             </a:r>
             <a:r>
-              <a:rPr lang="en-US" sz="2800" b="1" dirty="0" err="1">
-                <a:latin typeface="Helvetica Light" panose="020B0403020202020204" pitchFamily="34" charset="0"/>
-              </a:rPr>
-              <a:t>Jupyter</a:t>
-            </a:r>
-            <a:r>
-              <a:rPr lang="en-US" sz="2800" b="1" dirty="0">
-                <a:latin typeface="Helvetica Light" panose="020B0403020202020204" pitchFamily="34" charset="0"/>
-              </a:rPr>
-              <a:t>/R markdown</a:t>
-            </a:r>
-            <a:endParaRPr lang="en-US" sz="2800" dirty="0">
+              <a:rPr lang="en-US" sz="2600" b="1" dirty="0" err="1">
+                <a:latin typeface="Helvetica Light" panose="020B0403020202020204" pitchFamily="34" charset="0"/>
+              </a:rPr>
+              <a:t>Numpy</a:t>
+            </a:r>
+            <a:r>
+              <a:rPr lang="en-US" sz="2600" b="1" dirty="0">
+                <a:latin typeface="Helvetica Light" panose="020B0403020202020204" pitchFamily="34" charset="0"/>
+              </a:rPr>
+              <a:t> </a:t>
+            </a:r>
+            <a:r>
+              <a:rPr lang="en-US" sz="2600" dirty="0">
+                <a:latin typeface="Helvetica Light" panose="020B0403020202020204" pitchFamily="34" charset="0"/>
+              </a:rPr>
+              <a:t>and</a:t>
+            </a:r>
+            <a:r>
+              <a:rPr lang="en-US" sz="2600" b="1" dirty="0">
+                <a:latin typeface="Helvetica Light" panose="020B0403020202020204" pitchFamily="34" charset="0"/>
+              </a:rPr>
+              <a:t> Pandas: </a:t>
+            </a:r>
+            <a:r>
+              <a:rPr lang="en-US" sz="2600" dirty="0">
+                <a:latin typeface="Helvetica Light" panose="020B0403020202020204" pitchFamily="34" charset="0"/>
+              </a:rPr>
+              <a:t>Data Science modules</a:t>
+            </a:r>
+          </a:p>
+          <a:p>
+            <a:endParaRPr lang="en-US" sz="2600" b="1" dirty="0">
               <a:latin typeface="Helvetica Light" panose="020B0403020202020204" pitchFamily="34" charset="0"/>
             </a:endParaRPr>
           </a:p>
           <a:p>
-            <a:endParaRPr lang="en-US" sz="2800" b="1" dirty="0">
-              <a:latin typeface="Helvetica Light" panose="020B0403020202020204" pitchFamily="34" charset="0"/>
-            </a:endParaRPr>
-          </a:p>
-          <a:p>
-            <a:r>
-              <a:rPr lang="en-US" sz="2800" b="1" dirty="0">
-                <a:latin typeface="Helvetica Light" panose="020B0403020202020204" pitchFamily="34" charset="0"/>
-              </a:rPr>
-              <a:t>Week of 11/22			Dictionaries, independent project work.</a:t>
+            <a:r>
+              <a:rPr lang="en-US" sz="2600" b="1" dirty="0">
+                <a:latin typeface="Helvetica Light" panose="020B0403020202020204" pitchFamily="34" charset="0"/>
+              </a:rPr>
+              <a:t>Week of 11/21			independent project work (Tuesday 						before Thanksgiving).</a:t>
             </a:r>
           </a:p>
         </p:txBody>
@@ -9983,7 +10033,7 @@
                 <a:latin typeface="Helvetica Light" panose="020B0403020202020204" pitchFamily="34" charset="0"/>
                 <a:cs typeface="Courier New" panose="02070309020205020404" pitchFamily="49" charset="0"/>
               </a:rPr>
-              <a:t>would be a list of all file arguments. This can more flexibly be written as </a:t>
+              <a:t>would be a list of 100 file arguments. This can more flexibly be written as </a:t>
             </a:r>
             <a:r>
               <a:rPr lang="en-US" sz="2200" b="1" dirty="0" err="1">
@@ -10004,7 +10054,7 @@
                 <a:latin typeface="Helvetica Light" panose="020B0403020202020204" pitchFamily="34" charset="0"/>
                 <a:cs typeface="Courier New" panose="02070309020205020404" pitchFamily="49" charset="0"/>
               </a:rPr>
-              <a:t>which would mean a list from the 1 element to the last element </a:t>
+              <a:t>which would mean a list from the 1 element to the last element</a:t>
             </a:r>
           </a:p>
         </p:txBody>
